--- a/poster/EzASM Poster.pptx
+++ b/poster/EzASM Poster.pptx
@@ -304,8 +304,8 @@
         </p15:guide>
       </p15:notesGuideLst>
     </p:ext>
-    <p:ext uri="GoogleSlidesCustomDataVersion2">
-      <go:slidesCustomData xmlns:go="http://customooxmlschemas.google.com/" r:id="rId14" roundtripDataSignature="AMtx7miCGRFLhHz+F89NLiPeRL8KodUKBg=="/>
+    <p:ext uri="http://customooxmlschemas.google.com/">
+      <go:slidesCustomData xmlns:go="http://customooxmlschemas.google.com/" r:id="rId14" roundtripDataSignature="AMtx7mjIAI0nRjszB27MzWFw5QmS1n3y4g=="/>
     </p:ext>
   </p:extLst>
 </p:presentation>
@@ -9995,7 +9995,7 @@
             <a:tbl>
               <a:tblPr bandRow="1" firstRow="1">
                 <a:noFill/>
-                <a:tableStyleId>{FFE3DF73-68DA-40D3-B37D-6A1FE3B0A139}</a:tableStyleId>
+                <a:tableStyleId>{DD258791-F2AB-4393-B5E9-AFF1630DF3B1}</a:tableStyleId>
               </a:tblPr>
               <a:tblGrid>
                 <a:gridCol w="4192250"/>
@@ -11524,7 +11524,7 @@
             <a:tbl>
               <a:tblPr bandRow="1" firstRow="1">
                 <a:noFill/>
-                <a:tableStyleId>{FFE3DF73-68DA-40D3-B37D-6A1FE3B0A139}</a:tableStyleId>
+                <a:tableStyleId>{DD258791-F2AB-4393-B5E9-AFF1630DF3B1}</a:tableStyleId>
               </a:tblPr>
               <a:tblGrid>
                 <a:gridCol w="3343825"/>
@@ -16018,7 +16018,7 @@
             </a:pPr>
             <a:r>
               <a:rPr lang="en-US" sz="4000"/>
-              <a:t>Reference</a:t>
+              <a:t>References</a:t>
             </a:r>
             <a:endParaRPr sz="4000"/>
           </a:p>
@@ -16166,7 +16166,7 @@
             </a:pPr>
             <a:r>
               <a:rPr lang="en-US" sz="4000"/>
-              <a:t>Acknowledgement</a:t>
+              <a:t>Acknowledgements</a:t>
             </a:r>
             <a:endParaRPr sz="4000"/>
           </a:p>
@@ -16183,7 +16183,7 @@
         <p:spPr>
           <a:xfrm>
             <a:off x="33505950" y="12861027"/>
-            <a:ext cx="10052100" cy="1569900"/>
+            <a:ext cx="10052100" cy="1200600"/>
           </a:xfrm>
           <a:prstGeom prst="rect">
             <a:avLst/>
@@ -16218,7 +16218,7 @@
                   <a:schemeClr val="dk1"/>
                 </a:solidFill>
               </a:rPr>
-              <a:t>Prof. Kuzmin, Trevor Brunette, Wyatt Ross, </a:t>
+              <a:t>Prof. Kuzmin, Trevor Brunette, Wyatt Ross, Nathan Paul, </a:t>
             </a:r>
             <a:endParaRPr sz="2400">
               <a:solidFill>
@@ -16246,35 +16246,7 @@
                   <a:schemeClr val="dk1"/>
                 </a:solidFill>
               </a:rPr>
-              <a:t>Nathan Paul, Sebastien Brand, Michael Ni, </a:t>
-            </a:r>
-            <a:endParaRPr sz="2400">
-              <a:solidFill>
-                <a:schemeClr val="dk1"/>
-              </a:solidFill>
-            </a:endParaRPr>
-          </a:p>
-          <a:p>
-            <a:pPr indent="0" lvl="0" marL="0" rtl="0" algn="l">
-              <a:spcBef>
-                <a:spcPts val="0"/>
-              </a:spcBef>
-              <a:spcAft>
-                <a:spcPts val="0"/>
-              </a:spcAft>
-              <a:buClr>
-                <a:srgbClr val="1F3864"/>
-              </a:buClr>
-              <a:buSzPts val="1800"/>
-              <a:buNone/>
-            </a:pPr>
-            <a:r>
-              <a:rPr lang="en-US" sz="2400">
-                <a:solidFill>
-                  <a:schemeClr val="dk1"/>
-                </a:solidFill>
-              </a:rPr>
-              <a:t>Hui Zhang, Siyan Zuhayer</a:t>
+              <a:t>Sebastien Brand, Michael Ni, Hui Zhang, Siyan Zuhayer</a:t>
             </a:r>
             <a:endParaRPr sz="2400">
               <a:solidFill>
@@ -16530,8 +16502,8 @@
         </p:blipFill>
         <p:spPr>
           <a:xfrm>
-            <a:off x="477825" y="28170350"/>
-            <a:ext cx="3380101" cy="3380101"/>
+            <a:off x="22750538" y="9800950"/>
+            <a:ext cx="9312125" cy="4947051"/>
           </a:xfrm>
           <a:prstGeom prst="rect">
             <a:avLst/>
@@ -16558,8 +16530,8 @@
         </p:blipFill>
         <p:spPr>
           <a:xfrm>
-            <a:off x="22750538" y="9800950"/>
-            <a:ext cx="9312125" cy="4947051"/>
+            <a:off x="22750538" y="14907825"/>
+            <a:ext cx="9312125" cy="4947071"/>
           </a:xfrm>
           <a:prstGeom prst="rect">
             <a:avLst/>
@@ -16586,8 +16558,8 @@
         </p:blipFill>
         <p:spPr>
           <a:xfrm>
-            <a:off x="22750538" y="14907825"/>
-            <a:ext cx="9312125" cy="4947071"/>
+            <a:off x="22750550" y="20350201"/>
+            <a:ext cx="9312100" cy="5125927"/>
           </a:xfrm>
           <a:prstGeom prst="rect">
             <a:avLst/>
@@ -16614,8 +16586,8 @@
         </p:blipFill>
         <p:spPr>
           <a:xfrm>
-            <a:off x="22750550" y="20350201"/>
-            <a:ext cx="9312100" cy="5125927"/>
+            <a:off x="22750550" y="25884802"/>
+            <a:ext cx="9312099" cy="5665652"/>
           </a:xfrm>
           <a:prstGeom prst="rect">
             <a:avLst/>
@@ -16642,8 +16614,8 @@
         </p:blipFill>
         <p:spPr>
           <a:xfrm>
-            <a:off x="22750550" y="25884802"/>
-            <a:ext cx="9312099" cy="5665652"/>
+            <a:off x="39259875" y="27670025"/>
+            <a:ext cx="3810000" cy="3810000"/>
           </a:xfrm>
           <a:prstGeom prst="rect">
             <a:avLst/>
@@ -16670,8 +16642,8 @@
         </p:blipFill>
         <p:spPr>
           <a:xfrm>
-            <a:off x="4349775" y="28336550"/>
-            <a:ext cx="4608891" cy="3047700"/>
+            <a:off x="35794413" y="14961915"/>
+            <a:ext cx="5238750" cy="3333750"/>
           </a:xfrm>
           <a:prstGeom prst="rect">
             <a:avLst/>
@@ -16698,8 +16670,8 @@
         </p:blipFill>
         <p:spPr>
           <a:xfrm>
-            <a:off x="40057199" y="28170350"/>
-            <a:ext cx="3380100" cy="3380100"/>
+            <a:off x="33757737" y="19195987"/>
+            <a:ext cx="9312126" cy="7036494"/>
           </a:xfrm>
           <a:prstGeom prst="rect">
             <a:avLst/>
@@ -16726,8 +16698,8 @@
         </p:blipFill>
         <p:spPr>
           <a:xfrm>
-            <a:off x="477813" y="23492002"/>
-            <a:ext cx="5238750" cy="3333750"/>
+            <a:off x="3297375" y="24260081"/>
+            <a:ext cx="4381500" cy="2924175"/>
           </a:xfrm>
           <a:prstGeom prst="rect">
             <a:avLst/>
@@ -16754,8 +16726,8 @@
         </p:blipFill>
         <p:spPr>
           <a:xfrm>
-            <a:off x="33304275" y="16205537"/>
-            <a:ext cx="9312126" cy="7036494"/>
+            <a:off x="2387738" y="27670031"/>
+            <a:ext cx="6200775" cy="3810000"/>
           </a:xfrm>
           <a:prstGeom prst="rect">
             <a:avLst/>
@@ -17054,7 +17026,7 @@
 </file>
 
 <file path=ppt/theme/theme2.xml><?xml version="1.0" encoding="utf-8"?>
-<a:theme xmlns:a="http://schemas.openxmlformats.org/drawingml/2006/main" xmlns:r="http://schemas.openxmlformats.org/officeDocument/2006/relationships" name="36x48-Template">
+<a:theme xmlns:a="http://schemas.openxmlformats.org/drawingml/2006/main" xmlns:r="http://schemas.openxmlformats.org/officeDocument/2006/relationships" name="Without guides">
   <a:themeElements>
     <a:clrScheme name="Office">
       <a:dk1>
@@ -17333,7 +17305,7 @@
 </file>
 
 <file path=ppt/theme/theme3.xml><?xml version="1.0" encoding="utf-8"?>
-<a:theme xmlns:a="http://schemas.openxmlformats.org/drawingml/2006/main" xmlns:r="http://schemas.openxmlformats.org/officeDocument/2006/relationships" name="Without guides">
+<a:theme xmlns:a="http://schemas.openxmlformats.org/drawingml/2006/main" xmlns:r="http://schemas.openxmlformats.org/officeDocument/2006/relationships" name="36x48-Template">
   <a:themeElements>
     <a:clrScheme name="Office">
       <a:dk1>
